--- a/最終発表/最終発表(品質).pptx
+++ b/最終発表/最終発表(品質).pptx
@@ -4215,11 +4215,7 @@
             </a:r>
             <a:r>
               <a:rPr kumimoji="1" lang="ja-JP" altLang="en-US" sz="2800" dirty="0" smtClean="0"/>
-              <a:t>に則ったアクセシビリティチェックリストの</a:t>
-            </a:r>
-            <a:r>
-              <a:rPr kumimoji="1" lang="ja-JP" altLang="en-US" sz="2800" dirty="0" smtClean="0"/>
-              <a:t>使用</a:t>
+              <a:t>に則ったアクセシビリティチェックリストの使用</a:t>
             </a:r>
             <a:endParaRPr kumimoji="1" lang="en-US" altLang="ja-JP" sz="2800" dirty="0" smtClean="0"/>
           </a:p>

--- a/最終発表/最終発表(品質).pptx
+++ b/最終発表/最終発表(品質).pptx
@@ -8,7 +8,7 @@
     <p:sldId id="256" r:id="rId2"/>
     <p:sldId id="257" r:id="rId3"/>
     <p:sldId id="258" r:id="rId4"/>
-    <p:sldId id="259" r:id="rId5"/>
+    <p:sldId id="261" r:id="rId5"/>
     <p:sldId id="260" r:id="rId6"/>
   </p:sldIdLst>
   <p:sldSz cx="12192000" cy="6858000"/>
@@ -3773,64 +3773,13 @@
       </p:sp>
       <p:sp>
         <p:nvSpPr>
-          <p:cNvPr id="3" name="円形吹き出し 2"/>
-          <p:cNvSpPr/>
-          <p:nvPr/>
-        </p:nvSpPr>
-        <p:spPr>
-          <a:xfrm>
-            <a:off x="329514" y="1634955"/>
-            <a:ext cx="2051221" cy="885824"/>
-          </a:xfrm>
-          <a:prstGeom prst="wedgeEllipseCallout">
-            <a:avLst>
-              <a:gd name="adj1" fmla="val 22748"/>
-              <a:gd name="adj2" fmla="val 67464"/>
-            </a:avLst>
-          </a:prstGeom>
-        </p:spPr>
-        <p:style>
-          <a:lnRef idx="2">
-            <a:schemeClr val="accent2">
-              <a:shade val="50000"/>
-            </a:schemeClr>
-          </a:lnRef>
-          <a:fillRef idx="1">
-            <a:schemeClr val="accent2"/>
-          </a:fillRef>
-          <a:effectRef idx="0">
-            <a:schemeClr val="accent2"/>
-          </a:effectRef>
-          <a:fontRef idx="minor">
-            <a:schemeClr val="lt1"/>
-          </a:fontRef>
-        </p:style>
-        <p:txBody>
-          <a:bodyPr rtlCol="0" anchor="ctr"/>
-          <a:lstStyle/>
-          <a:p>
-            <a:pPr algn="ctr"/>
-            <a:r>
-              <a:rPr kumimoji="1" lang="ja-JP" altLang="en-US" sz="2400" dirty="0" smtClean="0"/>
-              <a:t>しかし</a:t>
-            </a:r>
-            <a:r>
-              <a:rPr kumimoji="1" lang="en-US" altLang="ja-JP" sz="2400" dirty="0" smtClean="0"/>
-              <a:t>……</a:t>
-            </a:r>
-            <a:endParaRPr kumimoji="1" lang="ja-JP" altLang="en-US" sz="2400" dirty="0"/>
-          </a:p>
-        </p:txBody>
-      </p:sp>
-      <p:sp>
-        <p:nvSpPr>
           <p:cNvPr id="7" name="角丸四角形 6"/>
           <p:cNvSpPr/>
           <p:nvPr/>
         </p:nvSpPr>
         <p:spPr>
           <a:xfrm>
-            <a:off x="1860721" y="2751437"/>
+            <a:off x="1851727" y="1770530"/>
             <a:ext cx="8454081" cy="1293341"/>
           </a:xfrm>
           <a:prstGeom prst="roundRect">
@@ -3872,7 +3821,7 @@
         </p:nvSpPr>
         <p:spPr>
           <a:xfrm>
-            <a:off x="1860721" y="5049794"/>
+            <a:off x="1851727" y="4068887"/>
             <a:ext cx="8454082" cy="1293341"/>
           </a:xfrm>
           <a:prstGeom prst="roundRect">
@@ -3914,7 +3863,7 @@
         </p:nvSpPr>
         <p:spPr>
           <a:xfrm>
-            <a:off x="5564658" y="4110680"/>
+            <a:off x="5555664" y="3129773"/>
             <a:ext cx="1046206" cy="873211"/>
           </a:xfrm>
           <a:prstGeom prst="downArrow">
@@ -3954,7 +3903,7 @@
         </p:nvSpPr>
         <p:spPr>
           <a:xfrm>
-            <a:off x="5692345" y="4462845"/>
+            <a:off x="5683351" y="3481938"/>
             <a:ext cx="1655805" cy="369332"/>
           </a:xfrm>
           <a:prstGeom prst="rect">
@@ -3984,10 +3933,61 @@
           </a:p>
         </p:txBody>
       </p:sp>
+      <p:sp>
+        <p:nvSpPr>
+          <p:cNvPr id="8" name="円形吹き出し 7"/>
+          <p:cNvSpPr/>
+          <p:nvPr/>
+        </p:nvSpPr>
+        <p:spPr>
+          <a:xfrm>
+            <a:off x="164757" y="1690688"/>
+            <a:ext cx="1521940" cy="1161535"/>
+          </a:xfrm>
+          <a:prstGeom prst="wedgeEllipseCallout">
+            <a:avLst>
+              <a:gd name="adj1" fmla="val 55766"/>
+              <a:gd name="adj2" fmla="val 40514"/>
+            </a:avLst>
+          </a:prstGeom>
+        </p:spPr>
+        <p:style>
+          <a:lnRef idx="2">
+            <a:schemeClr val="accent2">
+              <a:shade val="50000"/>
+            </a:schemeClr>
+          </a:lnRef>
+          <a:fillRef idx="1">
+            <a:schemeClr val="accent2"/>
+          </a:fillRef>
+          <a:effectRef idx="0">
+            <a:schemeClr val="accent2"/>
+          </a:effectRef>
+          <a:fontRef idx="minor">
+            <a:schemeClr val="lt1"/>
+          </a:fontRef>
+        </p:style>
+        <p:txBody>
+          <a:bodyPr rtlCol="0" anchor="ctr"/>
+          <a:lstStyle/>
+          <a:p>
+            <a:pPr algn="ctr"/>
+            <a:r>
+              <a:rPr lang="ja-JP" altLang="en-US" sz="2400" dirty="0" smtClean="0"/>
+              <a:t>しか</a:t>
+            </a:r>
+            <a:r>
+              <a:rPr lang="ja-JP" altLang="en-US" sz="2400" dirty="0"/>
+              <a:t>し</a:t>
+            </a:r>
+            <a:endParaRPr kumimoji="1" lang="ja-JP" altLang="en-US" sz="2400" dirty="0"/>
+          </a:p>
+        </p:txBody>
+      </p:sp>
     </p:spTree>
     <p:extLst>
       <p:ext uri="{BB962C8B-B14F-4D97-AF65-F5344CB8AC3E}">
-        <p14:creationId xmlns:p14="http://schemas.microsoft.com/office/powerpoint/2010/main" val="4177067601"/>
+        <p14:creationId xmlns:p14="http://schemas.microsoft.com/office/powerpoint/2010/main" val="1185573188"/>
       </p:ext>
     </p:extLst>
   </p:cSld>
